--- a/Attestation.pptx
+++ b/Attestation.pptx
@@ -11,7 +11,6 @@
     <p:sldId id="259" r:id="rId5"/>
     <p:sldId id="260" r:id="rId6"/>
     <p:sldId id="261" r:id="rId7"/>
-    <p:sldId id="262" r:id="rId8"/>
   </p:sldIdLst>
   <p:sldSz cx="12192000" cy="6858000"/>
   <p:notesSz cx="6858000" cy="9144000"/>
@@ -260,7 +259,7 @@
           <a:p>
             <a:fld id="{E90DE86C-A8A9-4B40-B18A-C328EA4406AC}" type="datetimeFigureOut">
               <a:rPr lang="ru-RU" smtClean="0"/>
-              <a:t>23.12.2021</a:t>
+              <a:t>27.12.2021</a:t>
             </a:fld>
             <a:endParaRPr lang="ru-RU"/>
           </a:p>
@@ -430,7 +429,7 @@
           <a:p>
             <a:fld id="{E90DE86C-A8A9-4B40-B18A-C328EA4406AC}" type="datetimeFigureOut">
               <a:rPr lang="ru-RU" smtClean="0"/>
-              <a:t>23.12.2021</a:t>
+              <a:t>27.12.2021</a:t>
             </a:fld>
             <a:endParaRPr lang="ru-RU"/>
           </a:p>
@@ -610,7 +609,7 @@
           <a:p>
             <a:fld id="{E90DE86C-A8A9-4B40-B18A-C328EA4406AC}" type="datetimeFigureOut">
               <a:rPr lang="ru-RU" smtClean="0"/>
-              <a:t>23.12.2021</a:t>
+              <a:t>27.12.2021</a:t>
             </a:fld>
             <a:endParaRPr lang="ru-RU"/>
           </a:p>
@@ -780,7 +779,7 @@
           <a:p>
             <a:fld id="{E90DE86C-A8A9-4B40-B18A-C328EA4406AC}" type="datetimeFigureOut">
               <a:rPr lang="ru-RU" smtClean="0"/>
-              <a:t>23.12.2021</a:t>
+              <a:t>27.12.2021</a:t>
             </a:fld>
             <a:endParaRPr lang="ru-RU"/>
           </a:p>
@@ -1026,7 +1025,7 @@
           <a:p>
             <a:fld id="{E90DE86C-A8A9-4B40-B18A-C328EA4406AC}" type="datetimeFigureOut">
               <a:rPr lang="ru-RU" smtClean="0"/>
-              <a:t>23.12.2021</a:t>
+              <a:t>27.12.2021</a:t>
             </a:fld>
             <a:endParaRPr lang="ru-RU"/>
           </a:p>
@@ -1258,7 +1257,7 @@
           <a:p>
             <a:fld id="{E90DE86C-A8A9-4B40-B18A-C328EA4406AC}" type="datetimeFigureOut">
               <a:rPr lang="ru-RU" smtClean="0"/>
-              <a:t>23.12.2021</a:t>
+              <a:t>27.12.2021</a:t>
             </a:fld>
             <a:endParaRPr lang="ru-RU"/>
           </a:p>
@@ -1625,7 +1624,7 @@
           <a:p>
             <a:fld id="{E90DE86C-A8A9-4B40-B18A-C328EA4406AC}" type="datetimeFigureOut">
               <a:rPr lang="ru-RU" smtClean="0"/>
-              <a:t>23.12.2021</a:t>
+              <a:t>27.12.2021</a:t>
             </a:fld>
             <a:endParaRPr lang="ru-RU"/>
           </a:p>
@@ -1743,7 +1742,7 @@
           <a:p>
             <a:fld id="{E90DE86C-A8A9-4B40-B18A-C328EA4406AC}" type="datetimeFigureOut">
               <a:rPr lang="ru-RU" smtClean="0"/>
-              <a:t>23.12.2021</a:t>
+              <a:t>27.12.2021</a:t>
             </a:fld>
             <a:endParaRPr lang="ru-RU"/>
           </a:p>
@@ -1838,7 +1837,7 @@
           <a:p>
             <a:fld id="{E90DE86C-A8A9-4B40-B18A-C328EA4406AC}" type="datetimeFigureOut">
               <a:rPr lang="ru-RU" smtClean="0"/>
-              <a:t>23.12.2021</a:t>
+              <a:t>27.12.2021</a:t>
             </a:fld>
             <a:endParaRPr lang="ru-RU"/>
           </a:p>
@@ -2115,7 +2114,7 @@
           <a:p>
             <a:fld id="{E90DE86C-A8A9-4B40-B18A-C328EA4406AC}" type="datetimeFigureOut">
               <a:rPr lang="ru-RU" smtClean="0"/>
-              <a:t>23.12.2021</a:t>
+              <a:t>27.12.2021</a:t>
             </a:fld>
             <a:endParaRPr lang="ru-RU"/>
           </a:p>
@@ -2368,7 +2367,7 @@
           <a:p>
             <a:fld id="{E90DE86C-A8A9-4B40-B18A-C328EA4406AC}" type="datetimeFigureOut">
               <a:rPr lang="ru-RU" smtClean="0"/>
-              <a:t>23.12.2021</a:t>
+              <a:t>27.12.2021</a:t>
             </a:fld>
             <a:endParaRPr lang="ru-RU"/>
           </a:p>
@@ -2581,7 +2580,7 @@
           <a:p>
             <a:fld id="{E90DE86C-A8A9-4B40-B18A-C328EA4406AC}" type="datetimeFigureOut">
               <a:rPr lang="ru-RU" smtClean="0"/>
-              <a:t>23.12.2021</a:t>
+              <a:t>27.12.2021</a:t>
             </a:fld>
             <a:endParaRPr lang="ru-RU"/>
           </a:p>
@@ -3009,28 +3008,28 @@
           <a:lstStyle/>
           <a:p>
             <a:r>
-              <a:rPr lang="ru-RU" sz="4800" dirty="0" smtClean="0"/>
+              <a:rPr lang="ru-RU" sz="4800" b="1" dirty="0" smtClean="0"/>
               <a:t>Отчет по итоговому проекту </a:t>
             </a:r>
             <a:br>
-              <a:rPr lang="ru-RU" sz="4800" dirty="0" smtClean="0"/>
+              <a:rPr lang="ru-RU" sz="4800" b="1" dirty="0" smtClean="0"/>
             </a:br>
             <a:r>
-              <a:rPr lang="ru-RU" sz="4800" dirty="0" smtClean="0"/>
+              <a:rPr lang="ru-RU" sz="4800" b="1" dirty="0" smtClean="0"/>
               <a:t>по курсу «Аналитик: </a:t>
             </a:r>
             <a:r>
-              <a:rPr lang="ru-RU" sz="4800" dirty="0"/>
+              <a:rPr lang="ru-RU" sz="4800" b="1" dirty="0"/>
               <a:t>искусство управлять </a:t>
             </a:r>
             <a:r>
-              <a:rPr lang="ru-RU" sz="4800" dirty="0" smtClean="0"/>
+              <a:rPr lang="ru-RU" sz="4800" b="1" dirty="0" smtClean="0"/>
               <a:t>данными»</a:t>
             </a:r>
             <a:br>
-              <a:rPr lang="ru-RU" sz="4800" dirty="0" smtClean="0"/>
+              <a:rPr lang="ru-RU" sz="4800" b="1" dirty="0" smtClean="0"/>
             </a:br>
-            <a:endParaRPr lang="ru-RU" sz="4800" dirty="0"/>
+            <a:endParaRPr lang="ru-RU" sz="4800" b="1" dirty="0"/>
           </a:p>
         </p:txBody>
       </p:sp>
@@ -3060,7 +3059,7 @@
           </a:p>
           <a:p>
             <a:r>
-              <a:rPr lang="ru-RU" dirty="0" smtClean="0"/>
+              <a:rPr lang="ru-RU" b="1" dirty="0" smtClean="0"/>
               <a:t>Малянов Кирилл</a:t>
             </a:r>
           </a:p>
@@ -3069,14 +3068,14 @@
           </a:p>
           <a:p>
             <a:r>
-              <a:rPr lang="ru-RU" dirty="0" err="1" smtClean="0"/>
+              <a:rPr lang="ru-RU" b="1" dirty="0" err="1" smtClean="0"/>
               <a:t>Иннополис</a:t>
             </a:r>
             <a:r>
-              <a:rPr lang="ru-RU" dirty="0" smtClean="0"/>
+              <a:rPr lang="ru-RU" b="1" dirty="0" smtClean="0"/>
               <a:t>, 2021</a:t>
             </a:r>
-            <a:endParaRPr lang="ru-RU" dirty="0"/>
+            <a:endParaRPr lang="ru-RU" b="1" dirty="0"/>
           </a:p>
         </p:txBody>
       </p:sp>
@@ -3134,14 +3133,16 @@
           </a:xfrm>
         </p:spPr>
         <p:txBody>
-          <a:bodyPr/>
-          <a:lstStyle/>
-          <a:p>
-            <a:r>
-              <a:rPr lang="ru-RU" dirty="0" smtClean="0"/>
+          <a:bodyPr>
+            <a:normAutofit/>
+          </a:bodyPr>
+          <a:lstStyle/>
+          <a:p>
+            <a:r>
+              <a:rPr lang="ru-RU" sz="4000" b="1" dirty="0" smtClean="0"/>
               <a:t>Описание проекта</a:t>
             </a:r>
-            <a:endParaRPr lang="ru-RU" dirty="0"/>
+            <a:endParaRPr lang="ru-RU" sz="4000" b="1" dirty="0"/>
           </a:p>
         </p:txBody>
       </p:sp>
@@ -3164,7 +3165,7 @@
               <a:buNone/>
             </a:pPr>
             <a:r>
-              <a:rPr lang="ru-RU" dirty="0" smtClean="0"/>
+              <a:rPr lang="ru-RU" b="1" u="sng" dirty="0" smtClean="0"/>
               <a:t>Цель проекта:</a:t>
             </a:r>
           </a:p>
@@ -3173,22 +3174,43 @@
               <a:buNone/>
             </a:pPr>
             <a:r>
-              <a:rPr lang="ru-RU" dirty="0" smtClean="0"/>
-              <a:t>проанализировать данные, связанные с заболеваниями COVID-19 на основе имеющегося набора данных по странам мира. Выявить свойства признаков, их взаимосвязь. Сделать прогноз на 1 месяц в рамках имеющегося периода данных, проверить достоверность прогноза.</a:t>
-            </a:r>
+              <a:rPr lang="ru-RU" b="1" dirty="0" smtClean="0"/>
+              <a:t>проанализировать данные, связанные с заболеваниями COVID-19 на основе имеющегося набора данных по странам мира. Выявить свойства </a:t>
+            </a:r>
+            <a:r>
+              <a:rPr lang="ru-RU" b="1" dirty="0" smtClean="0"/>
+              <a:t>показателей, </a:t>
+            </a:r>
+            <a:r>
+              <a:rPr lang="ru-RU" b="1" dirty="0" smtClean="0"/>
+              <a:t>их взаимосвязь. Сделать прогноз </a:t>
+            </a:r>
+            <a:r>
+              <a:rPr lang="ru-RU" b="1" dirty="0" smtClean="0"/>
+              <a:t>в </a:t>
+            </a:r>
+            <a:r>
+              <a:rPr lang="ru-RU" b="1" dirty="0" smtClean="0"/>
+              <a:t>рамках имеющегося периода данных, проверить достоверность прогноза</a:t>
+            </a:r>
+            <a:r>
+              <a:rPr lang="ru-RU" b="1" dirty="0" smtClean="0"/>
+              <a:t>. Сделать прогноз будущих значений показателя.</a:t>
+            </a:r>
+            <a:endParaRPr lang="ru-RU" b="1" dirty="0" smtClean="0"/>
           </a:p>
           <a:p>
             <a:pPr marL="0" indent="0">
               <a:buNone/>
             </a:pPr>
-            <a:endParaRPr lang="ru-RU" dirty="0" smtClean="0"/>
+            <a:endParaRPr lang="ru-RU" b="1" dirty="0" smtClean="0"/>
           </a:p>
           <a:p>
             <a:pPr marL="0" indent="0">
               <a:buNone/>
             </a:pPr>
             <a:r>
-              <a:rPr lang="ru-RU" dirty="0" smtClean="0"/>
+              <a:rPr lang="ru-RU" b="1" u="sng" dirty="0" smtClean="0"/>
               <a:t>Выбранный регион: </a:t>
             </a:r>
           </a:p>
@@ -3197,7 +3219,7 @@
               <a:buNone/>
             </a:pPr>
             <a:r>
-              <a:rPr lang="ru-RU" dirty="0" smtClean="0"/>
+              <a:rPr lang="ru-RU" b="1" dirty="0" smtClean="0"/>
               <a:t>Российская Федерация</a:t>
             </a:r>
           </a:p>
@@ -3263,14 +3285,16 @@
           </a:xfrm>
         </p:spPr>
         <p:txBody>
-          <a:bodyPr/>
-          <a:lstStyle/>
-          <a:p>
-            <a:r>
-              <a:rPr lang="ru-RU" dirty="0" smtClean="0"/>
+          <a:bodyPr>
+            <a:normAutofit/>
+          </a:bodyPr>
+          <a:lstStyle/>
+          <a:p>
+            <a:r>
+              <a:rPr lang="ru-RU" sz="4000" b="1" dirty="0" smtClean="0"/>
               <a:t>Описание исходных данных</a:t>
             </a:r>
-            <a:endParaRPr lang="ru-RU" dirty="0"/>
+            <a:endParaRPr lang="ru-RU" sz="4000" b="1" dirty="0"/>
           </a:p>
         </p:txBody>
       </p:sp>
@@ -3286,7 +3310,7 @@
         </p:nvSpPr>
         <p:spPr>
           <a:xfrm>
-            <a:off x="838200" y="1387736"/>
+            <a:off x="838200" y="1378309"/>
             <a:ext cx="10515600" cy="4789227"/>
           </a:xfrm>
         </p:spPr>
@@ -3298,15 +3322,15 @@
               <a:buNone/>
             </a:pPr>
             <a:r>
-              <a:rPr lang="ru-RU" dirty="0" smtClean="0"/>
+              <a:rPr lang="ru-RU" b="1" dirty="0" smtClean="0"/>
               <a:t>Исходный </a:t>
             </a:r>
             <a:r>
-              <a:rPr lang="ru-RU" dirty="0" err="1" smtClean="0"/>
+              <a:rPr lang="ru-RU" b="1" dirty="0" err="1" smtClean="0"/>
               <a:t>датафрейм</a:t>
             </a:r>
             <a:r>
-              <a:rPr lang="ru-RU" dirty="0" smtClean="0"/>
+              <a:rPr lang="ru-RU" b="1" dirty="0" smtClean="0"/>
               <a:t>:</a:t>
             </a:r>
           </a:p>
@@ -3331,8 +3355,16 @@
               <a:buNone/>
             </a:pPr>
             <a:r>
-              <a:rPr lang="ru-RU" dirty="0" smtClean="0"/>
-              <a:t>Отобранные признаки для анализа:</a:t>
+              <a:rPr lang="ru-RU" b="1" dirty="0" smtClean="0"/>
+              <a:t>Отобранные </a:t>
+            </a:r>
+            <a:r>
+              <a:rPr lang="ru-RU" b="1" dirty="0" smtClean="0"/>
+              <a:t>показатели </a:t>
+            </a:r>
+            <a:r>
+              <a:rPr lang="ru-RU" b="1" dirty="0" smtClean="0"/>
+              <a:t>для анализа:</a:t>
             </a:r>
           </a:p>
           <a:p>
@@ -3340,64 +3372,68 @@
               <a:buNone/>
             </a:pPr>
             <a:r>
+              <a:rPr lang="en-US" i="1" dirty="0" smtClean="0"/>
+              <a:t>'</a:t>
+            </a:r>
+            <a:r>
+              <a:rPr lang="en-US" i="1" dirty="0" err="1" smtClean="0"/>
+              <a:t>total_cases</a:t>
+            </a:r>
+            <a:r>
+              <a:rPr lang="en-US" i="1" dirty="0" smtClean="0"/>
+              <a:t>', '</a:t>
+            </a:r>
+            <a:r>
+              <a:rPr lang="en-US" i="1" dirty="0" err="1" smtClean="0"/>
+              <a:t>new_cases</a:t>
+            </a:r>
+            <a:r>
+              <a:rPr lang="en-US" i="1" dirty="0" smtClean="0"/>
+              <a:t>', '</a:t>
+            </a:r>
+            <a:r>
+              <a:rPr lang="en-US" i="1" dirty="0" err="1" smtClean="0"/>
+              <a:t>new_cases_smoothed</a:t>
+            </a:r>
+            <a:r>
+              <a:rPr lang="en-US" i="1" dirty="0" smtClean="0"/>
+              <a:t>', '</a:t>
+            </a:r>
+            <a:r>
+              <a:rPr lang="en-US" i="1" dirty="0" err="1" smtClean="0"/>
+              <a:t>people_vaccinated</a:t>
+            </a:r>
+            <a:r>
+              <a:rPr lang="en-US" i="1" dirty="0" smtClean="0"/>
+              <a:t>', '</a:t>
+            </a:r>
+            <a:r>
+              <a:rPr lang="en-US" i="1" dirty="0" err="1" smtClean="0"/>
+              <a:t>people_fully_vaccinated</a:t>
+            </a:r>
+            <a:r>
+              <a:rPr lang="en-US" i="1" dirty="0" smtClean="0"/>
+              <a:t>',</a:t>
+            </a:r>
+            <a:r>
+              <a:rPr lang="ru-RU" i="1" dirty="0" smtClean="0"/>
+              <a:t> </a:t>
+            </a:r>
+            <a:r>
+              <a:rPr lang="en-US" i="1" dirty="0" smtClean="0"/>
+              <a:t>'</a:t>
+            </a:r>
+            <a:r>
+              <a:rPr lang="en-US" i="1" dirty="0" err="1" smtClean="0"/>
+              <a:t>new_people_vaccinated_smoothed</a:t>
+            </a:r>
+            <a:r>
+              <a:rPr lang="en-US" i="1" dirty="0" smtClean="0"/>
+              <a:t>'</a:t>
+            </a:r>
+            <a:r>
               <a:rPr lang="en-US" dirty="0" smtClean="0"/>
-              <a:t>'</a:t>
-            </a:r>
-            <a:r>
-              <a:rPr lang="en-US" dirty="0" err="1" smtClean="0"/>
-              <a:t>total_cases</a:t>
-            </a:r>
-            <a:r>
-              <a:rPr lang="en-US" dirty="0" smtClean="0"/>
-              <a:t>', '</a:t>
-            </a:r>
-            <a:r>
-              <a:rPr lang="en-US" dirty="0" err="1" smtClean="0"/>
-              <a:t>new_cases</a:t>
-            </a:r>
-            <a:r>
-              <a:rPr lang="en-US" dirty="0" smtClean="0"/>
-              <a:t>', '</a:t>
-            </a:r>
-            <a:r>
-              <a:rPr lang="en-US" dirty="0" err="1" smtClean="0"/>
-              <a:t>new_cases_smoothed</a:t>
-            </a:r>
-            <a:r>
-              <a:rPr lang="en-US" dirty="0" smtClean="0"/>
-              <a:t>', '</a:t>
-            </a:r>
-            <a:r>
-              <a:rPr lang="en-US" dirty="0" err="1" smtClean="0"/>
-              <a:t>people_vaccinated</a:t>
-            </a:r>
-            <a:r>
-              <a:rPr lang="en-US" dirty="0" smtClean="0"/>
-              <a:t>', '</a:t>
-            </a:r>
-            <a:r>
-              <a:rPr lang="en-US" dirty="0" err="1" smtClean="0"/>
-              <a:t>people_fully_vaccinated</a:t>
-            </a:r>
-            <a:r>
-              <a:rPr lang="en-US" dirty="0" smtClean="0"/>
-              <a:t>',</a:t>
-            </a:r>
-            <a:r>
-              <a:rPr lang="ru-RU" dirty="0" smtClean="0"/>
-              <a:t> </a:t>
-            </a:r>
-            <a:r>
-              <a:rPr lang="en-US" dirty="0" smtClean="0"/>
-              <a:t>'</a:t>
-            </a:r>
-            <a:r>
-              <a:rPr lang="en-US" dirty="0" err="1" smtClean="0"/>
-              <a:t>new_people_vaccinated_smoothed</a:t>
-            </a:r>
-            <a:r>
-              <a:rPr lang="en-US" dirty="0" smtClean="0"/>
-              <a:t>',</a:t>
+              <a:t>,</a:t>
             </a:r>
             <a:endParaRPr lang="ru-RU" dirty="0"/>
           </a:p>
@@ -3413,29 +3449,37 @@
             </a:pPr>
             <a:r>
               <a:rPr lang="ru-RU" dirty="0" smtClean="0"/>
-              <a:t>При первичном анализе устранены пропуски данных признаков </a:t>
-            </a:r>
-            <a:r>
-              <a:rPr lang="en-US" dirty="0" smtClean="0"/>
+              <a:t>При первичном анализе </a:t>
+            </a:r>
+            <a:r>
+              <a:rPr lang="ru-RU" b="1" dirty="0" smtClean="0"/>
+              <a:t>устранены пропуски данных </a:t>
+            </a:r>
+            <a:r>
+              <a:rPr lang="ru-RU" dirty="0" smtClean="0"/>
+              <a:t>признаков </a:t>
+            </a:r>
+            <a:r>
+              <a:rPr lang="en-US" i="1" dirty="0" smtClean="0"/>
               <a:t>'</a:t>
             </a:r>
             <a:r>
-              <a:rPr lang="en-US" dirty="0" err="1" smtClean="0"/>
+              <a:rPr lang="en-US" i="1" dirty="0" err="1" smtClean="0"/>
               <a:t>people_vaccinated</a:t>
             </a:r>
             <a:r>
-              <a:rPr lang="en-US" dirty="0" smtClean="0"/>
+              <a:rPr lang="en-US" i="1" dirty="0" smtClean="0"/>
               <a:t>', '</a:t>
             </a:r>
             <a:r>
-              <a:rPr lang="en-US" dirty="0" err="1" smtClean="0"/>
+              <a:rPr lang="en-US" i="1" dirty="0" err="1" smtClean="0"/>
               <a:t>people_fully_vaccinated</a:t>
             </a:r>
             <a:r>
-              <a:rPr lang="en-US" dirty="0" smtClean="0"/>
+              <a:rPr lang="en-US" i="1" dirty="0" smtClean="0"/>
               <a:t>'</a:t>
             </a:r>
-            <a:endParaRPr lang="ru-RU" dirty="0"/>
+            <a:endParaRPr lang="ru-RU" i="1" dirty="0"/>
           </a:p>
         </p:txBody>
       </p:sp>
@@ -3486,38 +3530,124 @@
             <p:ph type="title"/>
           </p:nvPr>
         </p:nvSpPr>
-        <p:spPr/>
-        <p:txBody>
-          <a:bodyPr/>
-          <a:lstStyle/>
-          <a:p>
-            <a:r>
-              <a:rPr lang="ru-RU" dirty="0" smtClean="0"/>
-              <a:t>Зависимость признаков</a:t>
-            </a:r>
-            <a:endParaRPr lang="ru-RU" dirty="0"/>
-          </a:p>
-        </p:txBody>
-      </p:sp>
-      <p:sp>
-        <p:nvSpPr>
-          <p:cNvPr id="3" name="Объект 2"/>
-          <p:cNvSpPr>
-            <a:spLocks noGrp="1"/>
-          </p:cNvSpPr>
+        <p:spPr>
+          <a:xfrm>
+            <a:off x="816684" y="182247"/>
+            <a:ext cx="10515600" cy="775186"/>
+          </a:xfrm>
+        </p:spPr>
+        <p:txBody>
+          <a:bodyPr>
+            <a:normAutofit/>
+          </a:bodyPr>
+          <a:lstStyle/>
+          <a:p>
+            <a:r>
+              <a:rPr lang="ru-RU" sz="3600" b="1" dirty="0" smtClean="0"/>
+              <a:t>Выявленные при первичном анализе закономерности</a:t>
+            </a:r>
+            <a:endParaRPr lang="ru-RU" sz="3600" b="1" dirty="0"/>
+          </a:p>
+        </p:txBody>
+      </p:sp>
+      <p:pic>
+        <p:nvPicPr>
+          <p:cNvPr id="4" name="Объект 3"/>
+          <p:cNvPicPr>
+            <a:picLocks noGrp="1" noChangeAspect="1"/>
+          </p:cNvPicPr>
           <p:nvPr>
             <p:ph idx="1"/>
           </p:nvPr>
-        </p:nvSpPr>
-        <p:spPr/>
-        <p:txBody>
-          <a:bodyPr/>
-          <a:lstStyle/>
-          <a:p>
-            <a:endParaRPr lang="ru-RU" dirty="0"/>
-          </a:p>
-        </p:txBody>
-      </p:sp>
+        </p:nvPicPr>
+        <p:blipFill>
+          <a:blip r:embed="rId2"/>
+          <a:stretch>
+            <a:fillRect/>
+          </a:stretch>
+        </p:blipFill>
+        <p:spPr>
+          <a:xfrm>
+            <a:off x="6020585" y="847061"/>
+            <a:ext cx="5909646" cy="3014933"/>
+          </a:xfrm>
+          <a:prstGeom prst="rect">
+            <a:avLst/>
+          </a:prstGeom>
+        </p:spPr>
+      </p:pic>
+      <p:pic>
+        <p:nvPicPr>
+          <p:cNvPr id="5" name="Рисунок 4"/>
+          <p:cNvPicPr>
+            <a:picLocks noChangeAspect="1"/>
+          </p:cNvPicPr>
+          <p:nvPr/>
+        </p:nvPicPr>
+        <p:blipFill>
+          <a:blip r:embed="rId3"/>
+          <a:stretch>
+            <a:fillRect/>
+          </a:stretch>
+        </p:blipFill>
+        <p:spPr>
+          <a:xfrm>
+            <a:off x="281492" y="3725620"/>
+            <a:ext cx="5656729" cy="3019426"/>
+          </a:xfrm>
+          <a:prstGeom prst="rect">
+            <a:avLst/>
+          </a:prstGeom>
+        </p:spPr>
+      </p:pic>
+      <p:pic>
+        <p:nvPicPr>
+          <p:cNvPr id="6" name="Рисунок 5"/>
+          <p:cNvPicPr>
+            <a:picLocks noChangeAspect="1"/>
+          </p:cNvPicPr>
+          <p:nvPr/>
+        </p:nvPicPr>
+        <p:blipFill>
+          <a:blip r:embed="rId4"/>
+          <a:stretch>
+            <a:fillRect/>
+          </a:stretch>
+        </p:blipFill>
+        <p:spPr>
+          <a:xfrm>
+            <a:off x="249218" y="771021"/>
+            <a:ext cx="5689003" cy="3101732"/>
+          </a:xfrm>
+          <a:prstGeom prst="rect">
+            <a:avLst/>
+          </a:prstGeom>
+        </p:spPr>
+      </p:pic>
+      <p:pic>
+        <p:nvPicPr>
+          <p:cNvPr id="7" name="Рисунок 6"/>
+          <p:cNvPicPr>
+            <a:picLocks noChangeAspect="1"/>
+          </p:cNvPicPr>
+          <p:nvPr/>
+        </p:nvPicPr>
+        <p:blipFill>
+          <a:blip r:embed="rId5"/>
+          <a:stretch>
+            <a:fillRect/>
+          </a:stretch>
+        </p:blipFill>
+        <p:spPr>
+          <a:xfrm>
+            <a:off x="6175785" y="3797449"/>
+            <a:ext cx="5786719" cy="2942217"/>
+          </a:xfrm>
+          <a:prstGeom prst="rect">
+            <a:avLst/>
+          </a:prstGeom>
+        </p:spPr>
+      </p:pic>
     </p:spTree>
     <p:extLst>
       <p:ext uri="{BB962C8B-B14F-4D97-AF65-F5344CB8AC3E}">
@@ -3565,38 +3695,177 @@
             <p:ph type="title"/>
           </p:nvPr>
         </p:nvSpPr>
-        <p:spPr/>
-        <p:txBody>
-          <a:bodyPr/>
-          <a:lstStyle/>
-          <a:p>
-            <a:r>
-              <a:rPr lang="ru-RU" dirty="0" smtClean="0"/>
-              <a:t>Моделирование</a:t>
-            </a:r>
-            <a:endParaRPr lang="ru-RU" dirty="0"/>
-          </a:p>
-        </p:txBody>
-      </p:sp>
-      <p:sp>
-        <p:nvSpPr>
-          <p:cNvPr id="3" name="Объект 2"/>
-          <p:cNvSpPr>
-            <a:spLocks noGrp="1"/>
-          </p:cNvSpPr>
-          <p:nvPr>
-            <p:ph idx="1"/>
-          </p:nvPr>
-        </p:nvSpPr>
-        <p:spPr/>
-        <p:txBody>
-          <a:bodyPr/>
-          <a:lstStyle/>
-          <a:p>
-            <a:endParaRPr lang="ru-RU"/>
-          </a:p>
-        </p:txBody>
-      </p:sp>
+        <p:spPr>
+          <a:xfrm>
+            <a:off x="838200" y="365125"/>
+            <a:ext cx="10515600" cy="732155"/>
+          </a:xfrm>
+        </p:spPr>
+        <p:txBody>
+          <a:bodyPr>
+            <a:normAutofit/>
+          </a:bodyPr>
+          <a:lstStyle/>
+          <a:p>
+            <a:pPr algn="ctr"/>
+            <a:r>
+              <a:rPr lang="en-US" b="1" dirty="0" smtClean="0"/>
+              <a:t>ETS </a:t>
+            </a:r>
+            <a:r>
+              <a:rPr lang="ru-RU" b="1" dirty="0" smtClean="0"/>
+              <a:t>декомпозиция</a:t>
+            </a:r>
+            <a:endParaRPr lang="ru-RU" b="1" dirty="0"/>
+          </a:p>
+        </p:txBody>
+      </p:sp>
+      <p:pic>
+        <p:nvPicPr>
+          <p:cNvPr id="4" name="Рисунок 3"/>
+          <p:cNvPicPr>
+            <a:picLocks noChangeAspect="1"/>
+          </p:cNvPicPr>
+          <p:nvPr/>
+        </p:nvPicPr>
+        <p:blipFill>
+          <a:blip r:embed="rId2"/>
+          <a:stretch>
+            <a:fillRect/>
+          </a:stretch>
+        </p:blipFill>
+        <p:spPr>
+          <a:xfrm>
+            <a:off x="354553" y="1923376"/>
+            <a:ext cx="5778617" cy="4316059"/>
+          </a:xfrm>
+          <a:prstGeom prst="rect">
+            <a:avLst/>
+          </a:prstGeom>
+        </p:spPr>
+      </p:pic>
+      <p:sp>
+        <p:nvSpPr>
+          <p:cNvPr id="5" name="Заголовок 1"/>
+          <p:cNvSpPr txBox="1">
+            <a:spLocks/>
+          </p:cNvSpPr>
+          <p:nvPr/>
+        </p:nvSpPr>
+        <p:spPr>
+          <a:xfrm>
+            <a:off x="1506967" y="1292077"/>
+            <a:ext cx="3775038" cy="719604"/>
+          </a:xfrm>
+          <a:prstGeom prst="rect">
+            <a:avLst/>
+          </a:prstGeom>
+        </p:spPr>
+        <p:txBody>
+          <a:bodyPr vert="horz" lIns="91440" tIns="45720" rIns="91440" bIns="45720" rtlCol="0" anchor="ctr">
+            <a:normAutofit/>
+          </a:bodyPr>
+          <a:lstStyle>
+            <a:lvl1pPr algn="l" defTabSz="914400" rtl="0" eaLnBrk="1" latinLnBrk="0" hangingPunct="1">
+              <a:lnSpc>
+                <a:spcPct val="90000"/>
+              </a:lnSpc>
+              <a:spcBef>
+                <a:spcPct val="0"/>
+              </a:spcBef>
+              <a:buNone/>
+              <a:defRPr sz="4400" kern="1200">
+                <a:solidFill>
+                  <a:schemeClr val="tx1"/>
+                </a:solidFill>
+                <a:latin typeface="+mj-lt"/>
+                <a:ea typeface="+mj-ea"/>
+                <a:cs typeface="+mj-cs"/>
+              </a:defRPr>
+            </a:lvl1pPr>
+          </a:lstStyle>
+          <a:p>
+            <a:r>
+              <a:rPr lang="ru-RU" sz="3200" b="1" dirty="0" smtClean="0"/>
+              <a:t>Аддитивная модель</a:t>
+            </a:r>
+            <a:endParaRPr lang="ru-RU" sz="3200" b="1" dirty="0"/>
+          </a:p>
+        </p:txBody>
+      </p:sp>
+      <p:sp>
+        <p:nvSpPr>
+          <p:cNvPr id="6" name="Заголовок 1"/>
+          <p:cNvSpPr txBox="1">
+            <a:spLocks/>
+          </p:cNvSpPr>
+          <p:nvPr/>
+        </p:nvSpPr>
+        <p:spPr>
+          <a:xfrm>
+            <a:off x="7124253" y="1283111"/>
+            <a:ext cx="4397188" cy="719604"/>
+          </a:xfrm>
+          <a:prstGeom prst="rect">
+            <a:avLst/>
+          </a:prstGeom>
+        </p:spPr>
+        <p:txBody>
+          <a:bodyPr vert="horz" lIns="91440" tIns="45720" rIns="91440" bIns="45720" rtlCol="0" anchor="ctr">
+            <a:normAutofit fontScale="85000" lnSpcReduction="10000"/>
+          </a:bodyPr>
+          <a:lstStyle>
+            <a:lvl1pPr algn="l" defTabSz="914400" rtl="0" eaLnBrk="1" latinLnBrk="0" hangingPunct="1">
+              <a:lnSpc>
+                <a:spcPct val="90000"/>
+              </a:lnSpc>
+              <a:spcBef>
+                <a:spcPct val="0"/>
+              </a:spcBef>
+              <a:buNone/>
+              <a:defRPr sz="4400" kern="1200">
+                <a:solidFill>
+                  <a:schemeClr val="tx1"/>
+                </a:solidFill>
+                <a:latin typeface="+mj-lt"/>
+                <a:ea typeface="+mj-ea"/>
+                <a:cs typeface="+mj-cs"/>
+              </a:defRPr>
+            </a:lvl1pPr>
+          </a:lstStyle>
+          <a:p>
+            <a:r>
+              <a:rPr lang="ru-RU" sz="3200" b="1" dirty="0" smtClean="0"/>
+              <a:t>Мультипликативная модель</a:t>
+            </a:r>
+            <a:endParaRPr lang="ru-RU" sz="3200" b="1" dirty="0"/>
+          </a:p>
+        </p:txBody>
+      </p:sp>
+      <p:pic>
+        <p:nvPicPr>
+          <p:cNvPr id="7" name="Рисунок 6"/>
+          <p:cNvPicPr>
+            <a:picLocks noChangeAspect="1"/>
+          </p:cNvPicPr>
+          <p:nvPr/>
+        </p:nvPicPr>
+        <p:blipFill>
+          <a:blip r:embed="rId3"/>
+          <a:stretch>
+            <a:fillRect/>
+          </a:stretch>
+        </p:blipFill>
+        <p:spPr>
+          <a:xfrm>
+            <a:off x="6175399" y="1942267"/>
+            <a:ext cx="5740247" cy="4291264"/>
+          </a:xfrm>
+          <a:prstGeom prst="rect">
+            <a:avLst/>
+          </a:prstGeom>
+        </p:spPr>
+      </p:pic>
     </p:spTree>
     <p:extLst>
       <p:ext uri="{BB962C8B-B14F-4D97-AF65-F5344CB8AC3E}">
@@ -3644,121 +3913,148 @@
             <p:ph type="title"/>
           </p:nvPr>
         </p:nvSpPr>
-        <p:spPr/>
-        <p:txBody>
-          <a:bodyPr/>
-          <a:lstStyle/>
-          <a:p>
+        <p:spPr>
+          <a:xfrm>
+            <a:off x="838200" y="365126"/>
+            <a:ext cx="10515600" cy="700104"/>
+          </a:xfrm>
+        </p:spPr>
+        <p:txBody>
+          <a:bodyPr/>
+          <a:lstStyle/>
+          <a:p>
+            <a:pPr algn="ctr"/>
+            <a:r>
+              <a:rPr lang="ru-RU" b="1" dirty="0" smtClean="0"/>
+              <a:t>Прогноз</a:t>
+            </a:r>
+            <a:r>
+              <a:rPr lang="ru-RU" b="1" dirty="0" smtClean="0"/>
+              <a:t>ирование</a:t>
+            </a:r>
+            <a:endParaRPr lang="ru-RU" b="1" dirty="0"/>
+          </a:p>
+        </p:txBody>
+      </p:sp>
+      <p:sp>
+        <p:nvSpPr>
+          <p:cNvPr id="3" name="Объект 2"/>
+          <p:cNvSpPr>
+            <a:spLocks noGrp="1"/>
+          </p:cNvSpPr>
+          <p:nvPr>
+            <p:ph idx="1"/>
+          </p:nvPr>
+        </p:nvSpPr>
+        <p:spPr>
+          <a:xfrm>
+            <a:off x="527900" y="1018096"/>
+            <a:ext cx="11236751" cy="1376312"/>
+          </a:xfrm>
+        </p:spPr>
+        <p:txBody>
+          <a:bodyPr>
+            <a:normAutofit fontScale="92500" lnSpcReduction="10000"/>
+          </a:bodyPr>
+          <a:lstStyle/>
+          <a:p>
+            <a:pPr marL="0" indent="0">
+              <a:buNone/>
+            </a:pPr>
             <a:r>
               <a:rPr lang="ru-RU" dirty="0" smtClean="0"/>
-              <a:t>Прогноз</a:t>
+              <a:t>С помощью </a:t>
+            </a:r>
+            <a:r>
+              <a:rPr lang="en-US" b="1" i="1" dirty="0" smtClean="0"/>
+              <a:t>SARIMAX</a:t>
+            </a:r>
+            <a:r>
+              <a:rPr lang="en-US" dirty="0" smtClean="0"/>
+              <a:t> </a:t>
+            </a:r>
+            <a:r>
+              <a:rPr lang="ru-RU" dirty="0" smtClean="0"/>
+              <a:t>построена </a:t>
+            </a:r>
+            <a:r>
+              <a:rPr lang="ru-RU" dirty="0" smtClean="0"/>
+              <a:t>модель данных для показателя </a:t>
+            </a:r>
+            <a:r>
+              <a:rPr lang="en-US" i="1" dirty="0" smtClean="0"/>
+              <a:t>‘</a:t>
+            </a:r>
+            <a:r>
+              <a:rPr lang="en-US" i="1" dirty="0" err="1" smtClean="0"/>
+              <a:t>new_cases</a:t>
+            </a:r>
+            <a:r>
+              <a:rPr lang="en-US" i="1" dirty="0" smtClean="0"/>
+              <a:t>’</a:t>
+            </a:r>
+            <a:r>
+              <a:rPr lang="ru-RU" dirty="0" smtClean="0"/>
+              <a:t>:</a:t>
+            </a:r>
+          </a:p>
+          <a:p>
+            <a:pPr marL="0" indent="0">
+              <a:buNone/>
+            </a:pPr>
+            <a:r>
+              <a:rPr lang="it-IT" dirty="0"/>
+              <a:t>SARIMA(5, 1, 4)x(2, 0, [1, 2], 6</a:t>
+            </a:r>
+            <a:r>
+              <a:rPr lang="it-IT" dirty="0" smtClean="0"/>
+              <a:t>)</a:t>
+            </a:r>
+            <a:r>
+              <a:rPr lang="ru-RU" dirty="0" smtClean="0"/>
+              <a:t>.</a:t>
+            </a:r>
+          </a:p>
+          <a:p>
+            <a:pPr marL="0" indent="0">
+              <a:buNone/>
+            </a:pPr>
+            <a:r>
+              <a:rPr lang="ru-RU" dirty="0" smtClean="0"/>
+              <a:t>Сделан прогноз динамики значений показателя на 4 месяца:</a:t>
             </a:r>
             <a:endParaRPr lang="ru-RU" dirty="0"/>
           </a:p>
         </p:txBody>
       </p:sp>
-      <p:sp>
-        <p:nvSpPr>
-          <p:cNvPr id="3" name="Объект 2"/>
-          <p:cNvSpPr>
-            <a:spLocks noGrp="1"/>
-          </p:cNvSpPr>
-          <p:nvPr>
-            <p:ph idx="1"/>
-          </p:nvPr>
-        </p:nvSpPr>
-        <p:spPr/>
-        <p:txBody>
-          <a:bodyPr/>
-          <a:lstStyle/>
-          <a:p>
-            <a:endParaRPr lang="ru-RU"/>
-          </a:p>
-        </p:txBody>
-      </p:sp>
+      <p:pic>
+        <p:nvPicPr>
+          <p:cNvPr id="8" name="Рисунок 7"/>
+          <p:cNvPicPr>
+            <a:picLocks noChangeAspect="1"/>
+          </p:cNvPicPr>
+          <p:nvPr/>
+        </p:nvPicPr>
+        <p:blipFill>
+          <a:blip r:embed="rId2"/>
+          <a:stretch>
+            <a:fillRect/>
+          </a:stretch>
+        </p:blipFill>
+        <p:spPr>
+          <a:xfrm>
+            <a:off x="669302" y="2507530"/>
+            <a:ext cx="10887960" cy="3978111"/>
+          </a:xfrm>
+          <a:prstGeom prst="rect">
+            <a:avLst/>
+          </a:prstGeom>
+        </p:spPr>
+      </p:pic>
     </p:spTree>
     <p:extLst>
       <p:ext uri="{BB962C8B-B14F-4D97-AF65-F5344CB8AC3E}">
         <p14:creationId xmlns:p14="http://schemas.microsoft.com/office/powerpoint/2010/main" val="1800183072"/>
-      </p:ext>
-    </p:extLst>
-  </p:cSld>
-  <p:clrMapOvr>
-    <a:masterClrMapping/>
-  </p:clrMapOvr>
-  <p:timing>
-    <p:tnLst>
-      <p:par>
-        <p:cTn id="1" dur="indefinite" restart="never" nodeType="tmRoot"/>
-      </p:par>
-    </p:tnLst>
-  </p:timing>
-</p:sld>
-</file>
-
-<file path=ppt/slides/slide7.xml><?xml version="1.0" encoding="utf-8"?>
-<p:sld xmlns:a="http://schemas.openxmlformats.org/drawingml/2006/main" xmlns:r="http://schemas.openxmlformats.org/officeDocument/2006/relationships" xmlns:p="http://schemas.openxmlformats.org/presentationml/2006/main">
-  <p:cSld>
-    <p:spTree>
-      <p:nvGrpSpPr>
-        <p:cNvPr id="1" name=""/>
-        <p:cNvGrpSpPr/>
-        <p:nvPr/>
-      </p:nvGrpSpPr>
-      <p:grpSpPr>
-        <a:xfrm>
-          <a:off x="0" y="0"/>
-          <a:ext cx="0" cy="0"/>
-          <a:chOff x="0" y="0"/>
-          <a:chExt cx="0" cy="0"/>
-        </a:xfrm>
-      </p:grpSpPr>
-      <p:sp>
-        <p:nvSpPr>
-          <p:cNvPr id="2" name="Заголовок 1"/>
-          <p:cNvSpPr>
-            <a:spLocks noGrp="1"/>
-          </p:cNvSpPr>
-          <p:nvPr>
-            <p:ph type="title"/>
-          </p:nvPr>
-        </p:nvSpPr>
-        <p:spPr/>
-        <p:txBody>
-          <a:bodyPr/>
-          <a:lstStyle/>
-          <a:p>
-            <a:r>
-              <a:rPr lang="ru-RU" dirty="0" smtClean="0"/>
-              <a:t>Основные выводы</a:t>
-            </a:r>
-            <a:endParaRPr lang="ru-RU" dirty="0"/>
-          </a:p>
-        </p:txBody>
-      </p:sp>
-      <p:sp>
-        <p:nvSpPr>
-          <p:cNvPr id="3" name="Объект 2"/>
-          <p:cNvSpPr>
-            <a:spLocks noGrp="1"/>
-          </p:cNvSpPr>
-          <p:nvPr>
-            <p:ph idx="1"/>
-          </p:nvPr>
-        </p:nvSpPr>
-        <p:spPr/>
-        <p:txBody>
-          <a:bodyPr/>
-          <a:lstStyle/>
-          <a:p>
-            <a:endParaRPr lang="ru-RU" dirty="0"/>
-          </a:p>
-        </p:txBody>
-      </p:sp>
-    </p:spTree>
-    <p:extLst>
-      <p:ext uri="{BB962C8B-B14F-4D97-AF65-F5344CB8AC3E}">
-        <p14:creationId xmlns:p14="http://schemas.microsoft.com/office/powerpoint/2010/main" val="2059814032"/>
       </p:ext>
     </p:extLst>
   </p:cSld>
